--- a/docs/products/profile_dong.pptx
+++ b/docs/products/profile_dong.pptx
@@ -2658,7 +2658,6 @@
           <a:p>
             <a:r>
               <a:rPr lang="en-US" sz="2800">
-                <a:ln/>
                 <a:solidFill>
                   <a:schemeClr val="tx1"/>
                 </a:solidFill>
@@ -2674,7 +2673,6 @@
               <a:t>DONG'S PROFILE</a:t>
             </a:r>
             <a:endParaRPr lang="en-US" sz="2800">
-              <a:ln/>
               <a:solidFill>
                 <a:schemeClr val="tx1"/>
               </a:solidFill>
@@ -3029,6 +3027,30 @@
           </a:p>
         </p:txBody>
       </p:sp>
+      <p:pic>
+        <p:nvPicPr>
+          <p:cNvPr id="2" name="Picture 1" descr="download"/>
+          <p:cNvPicPr>
+            <a:picLocks noChangeAspect="1"/>
+          </p:cNvPicPr>
+          <p:nvPr/>
+        </p:nvPicPr>
+        <p:blipFill>
+          <a:blip r:embed="rId1"/>
+          <a:stretch>
+            <a:fillRect/>
+          </a:stretch>
+        </p:blipFill>
+        <p:spPr>
+          <a:xfrm>
+            <a:off x="9702800" y="476250"/>
+            <a:ext cx="1819275" cy="2085975"/>
+          </a:xfrm>
+          <a:prstGeom prst="rect">
+            <a:avLst/>
+          </a:prstGeom>
+        </p:spPr>
+      </p:pic>
     </p:spTree>
   </p:cSld>
   <p:clrMapOvr>
